--- a/Project 1 Presentation 8-20-2018.pptx
+++ b/Project 1 Presentation 8-20-2018.pptx
@@ -5,7 +5,7 @@
     <p:sldMasterId id="2147483689" r:id="rId1"/>
   </p:sldMasterIdLst>
   <p:notesMasterIdLst>
-    <p:notesMasterId r:id="rId16"/>
+    <p:notesMasterId r:id="rId18"/>
   </p:notesMasterIdLst>
   <p:sldIdLst>
     <p:sldId id="256" r:id="rId2"/>
@@ -17,11 +17,13 @@
     <p:sldId id="264" r:id="rId8"/>
     <p:sldId id="266" r:id="rId9"/>
     <p:sldId id="271" r:id="rId10"/>
-    <p:sldId id="265" r:id="rId11"/>
-    <p:sldId id="261" r:id="rId12"/>
-    <p:sldId id="262" r:id="rId13"/>
-    <p:sldId id="276" r:id="rId14"/>
-    <p:sldId id="263" r:id="rId15"/>
+    <p:sldId id="278" r:id="rId11"/>
+    <p:sldId id="277" r:id="rId12"/>
+    <p:sldId id="265" r:id="rId13"/>
+    <p:sldId id="261" r:id="rId14"/>
+    <p:sldId id="262" r:id="rId15"/>
+    <p:sldId id="276" r:id="rId16"/>
+    <p:sldId id="263" r:id="rId17"/>
   </p:sldIdLst>
   <p:sldSz cx="12192000" cy="6858000"/>
   <p:notesSz cx="6858000" cy="9144000"/>
@@ -2400,7 +2402,7 @@
           <a:p>
             <a:fld id="{F6F9B6C9-9DF1-4394-BC16-4F555A4B3822}" type="datetimeFigureOut">
               <a:rPr lang="en-US" smtClean="0"/>
-              <a:t>8/20/2018</a:t>
+              <a:t>8/21/2018</a:t>
             </a:fld>
             <a:endParaRPr lang="en-US"/>
           </a:p>
@@ -3145,7 +3147,7 @@
           <a:p>
             <a:fld id="{1E1E479D-5F8C-4919-ACB4-332E378273DA}" type="datetimeFigureOut">
               <a:rPr lang="en-US" smtClean="0"/>
-              <a:t>8/20/2018</a:t>
+              <a:t>8/21/2018</a:t>
             </a:fld>
             <a:endParaRPr lang="en-US"/>
           </a:p>
@@ -3353,7 +3355,7 @@
           <a:p>
             <a:fld id="{1E1E479D-5F8C-4919-ACB4-332E378273DA}" type="datetimeFigureOut">
               <a:rPr lang="en-US" smtClean="0"/>
-              <a:t>8/20/2018</a:t>
+              <a:t>8/21/2018</a:t>
             </a:fld>
             <a:endParaRPr lang="en-US"/>
           </a:p>
@@ -3609,7 +3611,7 @@
           <a:p>
             <a:fld id="{1E1E479D-5F8C-4919-ACB4-332E378273DA}" type="datetimeFigureOut">
               <a:rPr lang="en-US" smtClean="0"/>
-              <a:t>8/20/2018</a:t>
+              <a:t>8/21/2018</a:t>
             </a:fld>
             <a:endParaRPr lang="en-US"/>
           </a:p>
@@ -3783,7 +3785,7 @@
           <a:p>
             <a:fld id="{1E1E479D-5F8C-4919-ACB4-332E378273DA}" type="datetimeFigureOut">
               <a:rPr lang="en-US" smtClean="0"/>
-              <a:t>8/20/2018</a:t>
+              <a:t>8/21/2018</a:t>
             </a:fld>
             <a:endParaRPr lang="en-US"/>
           </a:p>
@@ -4126,7 +4128,7 @@
           <a:p>
             <a:fld id="{1E1E479D-5F8C-4919-ACB4-332E378273DA}" type="datetimeFigureOut">
               <a:rPr lang="en-US" smtClean="0"/>
-              <a:t>8/20/2018</a:t>
+              <a:t>8/21/2018</a:t>
             </a:fld>
             <a:endParaRPr lang="en-US"/>
           </a:p>
@@ -4401,7 +4403,7 @@
           <a:p>
             <a:fld id="{1E1E479D-5F8C-4919-ACB4-332E378273DA}" type="datetimeFigureOut">
               <a:rPr lang="en-US" smtClean="0"/>
-              <a:t>8/20/2018</a:t>
+              <a:t>8/21/2018</a:t>
             </a:fld>
             <a:endParaRPr lang="en-US"/>
           </a:p>
@@ -4780,7 +4782,7 @@
           <a:p>
             <a:fld id="{1E1E479D-5F8C-4919-ACB4-332E378273DA}" type="datetimeFigureOut">
               <a:rPr lang="en-US" smtClean="0"/>
-              <a:t>8/20/2018</a:t>
+              <a:t>8/21/2018</a:t>
             </a:fld>
             <a:endParaRPr lang="en-US"/>
           </a:p>
@@ -4898,7 +4900,7 @@
           <a:p>
             <a:fld id="{1E1E479D-5F8C-4919-ACB4-332E378273DA}" type="datetimeFigureOut">
               <a:rPr lang="en-US" smtClean="0"/>
-              <a:t>8/20/2018</a:t>
+              <a:t>8/21/2018</a:t>
             </a:fld>
             <a:endParaRPr lang="en-US"/>
           </a:p>
@@ -5069,7 +5071,7 @@
           <a:p>
             <a:fld id="{1E1E479D-5F8C-4919-ACB4-332E378273DA}" type="datetimeFigureOut">
               <a:rPr lang="en-US" smtClean="0"/>
-              <a:t>8/20/2018</a:t>
+              <a:t>8/21/2018</a:t>
             </a:fld>
             <a:endParaRPr lang="en-US"/>
           </a:p>
@@ -5423,7 +5425,7 @@
           <a:p>
             <a:fld id="{1E1E479D-5F8C-4919-ACB4-332E378273DA}" type="datetimeFigureOut">
               <a:rPr lang="en-US" smtClean="0"/>
-              <a:t>8/20/2018</a:t>
+              <a:t>8/21/2018</a:t>
             </a:fld>
             <a:endParaRPr lang="en-US"/>
           </a:p>
@@ -5805,7 +5807,7 @@
           <a:p>
             <a:fld id="{1E1E479D-5F8C-4919-ACB4-332E378273DA}" type="datetimeFigureOut">
               <a:rPr lang="en-US" smtClean="0"/>
-              <a:t>8/20/2018</a:t>
+              <a:t>8/21/2018</a:t>
             </a:fld>
             <a:endParaRPr lang="en-US"/>
           </a:p>
@@ -6092,7 +6094,7 @@
           <a:p>
             <a:fld id="{1E1E479D-5F8C-4919-ACB4-332E378273DA}" type="datetimeFigureOut">
               <a:rPr lang="en-US" smtClean="0"/>
-              <a:t>8/20/2018</a:t>
+              <a:t>8/21/2018</a:t>
             </a:fld>
             <a:endParaRPr lang="en-US"/>
           </a:p>
@@ -6707,6 +6709,762 @@
           <a:chExt cx="0" cy="0"/>
         </a:xfrm>
       </p:grpSpPr>
+      <p:sp>
+        <p:nvSpPr>
+          <p:cNvPr id="11" name="TextBox 10">
+            <a:extLst>
+              <a:ext uri="{FF2B5EF4-FFF2-40B4-BE49-F238E27FC236}">
+                <a16:creationId xmlns:a16="http://schemas.microsoft.com/office/drawing/2014/main" id="{BA4D5888-1E1E-4C24-B911-50ECB52C5AE7}"/>
+              </a:ext>
+            </a:extLst>
+          </p:cNvPr>
+          <p:cNvSpPr txBox="1"/>
+          <p:nvPr/>
+        </p:nvSpPr>
+        <p:spPr>
+          <a:xfrm>
+            <a:off x="0" y="210704"/>
+            <a:ext cx="12191999" cy="381000"/>
+          </a:xfrm>
+          <a:prstGeom prst="rect">
+            <a:avLst/>
+          </a:prstGeom>
+          <a:noFill/>
+        </p:spPr>
+        <p:txBody>
+          <a:bodyPr wrap="square" rtlCol="0">
+            <a:spAutoFit/>
+          </a:bodyPr>
+          <a:lstStyle/>
+          <a:p>
+            <a:pPr algn="ctr"/>
+            <a:r>
+              <a:rPr lang="en-US" b="1" dirty="0">
+                <a:latin typeface="Cambria" panose="02040503050406030204" pitchFamily="18" charset="0"/>
+              </a:rPr>
+              <a:t>Trend in Degrees Awarded</a:t>
+            </a:r>
+          </a:p>
+        </p:txBody>
+      </p:sp>
+      <p:pic>
+        <p:nvPicPr>
+          <p:cNvPr id="19" name="Picture 18">
+            <a:extLst>
+              <a:ext uri="{FF2B5EF4-FFF2-40B4-BE49-F238E27FC236}">
+                <a16:creationId xmlns:a16="http://schemas.microsoft.com/office/drawing/2014/main" id="{71FF41B4-77CA-45A7-BB29-DD38C432FB23}"/>
+              </a:ext>
+            </a:extLst>
+          </p:cNvPr>
+          <p:cNvPicPr>
+            <a:picLocks noChangeAspect="1"/>
+          </p:cNvPicPr>
+          <p:nvPr/>
+        </p:nvPicPr>
+        <p:blipFill>
+          <a:blip r:embed="rId2">
+            <a:extLst>
+              <a:ext uri="{28A0092B-C50C-407E-A947-70E740481C1C}">
+                <a14:useLocalDpi xmlns:a14="http://schemas.microsoft.com/office/drawing/2010/main" val="0"/>
+              </a:ext>
+            </a:extLst>
+          </a:blip>
+          <a:stretch>
+            <a:fillRect/>
+          </a:stretch>
+        </p:blipFill>
+        <p:spPr>
+          <a:xfrm>
+            <a:off x="3169294" y="1162903"/>
+            <a:ext cx="6096625" cy="4064416"/>
+          </a:xfrm>
+          <a:prstGeom prst="rect">
+            <a:avLst/>
+          </a:prstGeom>
+        </p:spPr>
+      </p:pic>
+    </p:spTree>
+    <p:extLst>
+      <p:ext uri="{BB962C8B-B14F-4D97-AF65-F5344CB8AC3E}">
+        <p14:creationId xmlns:p14="http://schemas.microsoft.com/office/powerpoint/2010/main" val="1127527417"/>
+      </p:ext>
+    </p:extLst>
+  </p:cSld>
+  <p:clrMapOvr>
+    <a:masterClrMapping/>
+  </p:clrMapOvr>
+</p:sld>
+</file>
+
+<file path=ppt/slides/slide11.xml><?xml version="1.0" encoding="utf-8"?>
+<p:sld xmlns:a="http://schemas.openxmlformats.org/drawingml/2006/main" xmlns:r="http://schemas.openxmlformats.org/officeDocument/2006/relationships" xmlns:p="http://schemas.openxmlformats.org/presentationml/2006/main">
+  <p:cSld>
+    <p:spTree>
+      <p:nvGrpSpPr>
+        <p:cNvPr id="1" name=""/>
+        <p:cNvGrpSpPr/>
+        <p:nvPr/>
+      </p:nvGrpSpPr>
+      <p:grpSpPr>
+        <a:xfrm>
+          <a:off x="0" y="0"/>
+          <a:ext cx="0" cy="0"/>
+          <a:chOff x="0" y="0"/>
+          <a:chExt cx="0" cy="0"/>
+        </a:xfrm>
+      </p:grpSpPr>
+      <p:sp>
+        <p:nvSpPr>
+          <p:cNvPr id="11" name="TextBox 10">
+            <a:extLst>
+              <a:ext uri="{FF2B5EF4-FFF2-40B4-BE49-F238E27FC236}">
+                <a16:creationId xmlns:a16="http://schemas.microsoft.com/office/drawing/2014/main" id="{BA4D5888-1E1E-4C24-B911-50ECB52C5AE7}"/>
+              </a:ext>
+            </a:extLst>
+          </p:cNvPr>
+          <p:cNvSpPr txBox="1"/>
+          <p:nvPr/>
+        </p:nvSpPr>
+        <p:spPr>
+          <a:xfrm>
+            <a:off x="0" y="210704"/>
+            <a:ext cx="12191999" cy="381000"/>
+          </a:xfrm>
+          <a:prstGeom prst="rect">
+            <a:avLst/>
+          </a:prstGeom>
+          <a:noFill/>
+        </p:spPr>
+        <p:txBody>
+          <a:bodyPr wrap="square" rtlCol="0">
+            <a:spAutoFit/>
+          </a:bodyPr>
+          <a:lstStyle/>
+          <a:p>
+            <a:pPr algn="ctr"/>
+            <a:r>
+              <a:rPr lang="en-US" b="1" dirty="0">
+                <a:latin typeface="Cambria" panose="02040503050406030204" pitchFamily="18" charset="0"/>
+              </a:rPr>
+              <a:t>Trend in Degree Types Awarded</a:t>
+            </a:r>
+          </a:p>
+        </p:txBody>
+      </p:sp>
+      <p:sp>
+        <p:nvSpPr>
+          <p:cNvPr id="12" name="TextBox 11">
+            <a:extLst>
+              <a:ext uri="{FF2B5EF4-FFF2-40B4-BE49-F238E27FC236}">
+                <a16:creationId xmlns:a16="http://schemas.microsoft.com/office/drawing/2014/main" id="{B2E1C9D1-3FC3-4F1B-BC89-1CC7AD233D66}"/>
+              </a:ext>
+            </a:extLst>
+          </p:cNvPr>
+          <p:cNvSpPr txBox="1"/>
+          <p:nvPr/>
+        </p:nvSpPr>
+        <p:spPr>
+          <a:xfrm>
+            <a:off x="199286" y="5924744"/>
+            <a:ext cx="11741458" cy="342713"/>
+          </a:xfrm>
+          <a:prstGeom prst="rect">
+            <a:avLst/>
+          </a:prstGeom>
+          <a:noFill/>
+          <a:ln>
+            <a:noFill/>
+          </a:ln>
+        </p:spPr>
+        <p:txBody>
+          <a:bodyPr wrap="square" rtlCol="0">
+            <a:spAutoFit/>
+          </a:bodyPr>
+          <a:lstStyle/>
+          <a:p>
+            <a:pPr algn="ctr"/>
+            <a:r>
+              <a:rPr lang="en-US" sz="1600" dirty="0">
+                <a:latin typeface="Cambria" panose="02040503050406030204" pitchFamily="18" charset="0"/>
+              </a:rPr>
+              <a:t>Unemployment - 2010 peak </a:t>
+            </a:r>
+          </a:p>
+        </p:txBody>
+      </p:sp>
+      <p:grpSp>
+        <p:nvGrpSpPr>
+          <p:cNvPr id="4" name="Group 3">
+            <a:extLst>
+              <a:ext uri="{FF2B5EF4-FFF2-40B4-BE49-F238E27FC236}">
+                <a16:creationId xmlns:a16="http://schemas.microsoft.com/office/drawing/2014/main" id="{C1767CBA-BB47-45D3-8AFF-A561CC9ECA6D}"/>
+              </a:ext>
+            </a:extLst>
+          </p:cNvPr>
+          <p:cNvGrpSpPr/>
+          <p:nvPr/>
+        </p:nvGrpSpPr>
+        <p:grpSpPr>
+          <a:xfrm>
+            <a:off x="415286" y="757948"/>
+            <a:ext cx="3731567" cy="2487711"/>
+            <a:chOff x="728437" y="808411"/>
+            <a:chExt cx="3731567" cy="2487711"/>
+          </a:xfrm>
+        </p:grpSpPr>
+        <p:pic>
+          <p:nvPicPr>
+            <p:cNvPr id="3" name="Content Placeholder 4">
+              <a:extLst>
+                <a:ext uri="{FF2B5EF4-FFF2-40B4-BE49-F238E27FC236}">
+                  <a16:creationId xmlns:a16="http://schemas.microsoft.com/office/drawing/2014/main" id="{841C6A91-3988-41E8-A5B9-531D46631746}"/>
+                </a:ext>
+              </a:extLst>
+            </p:cNvPr>
+            <p:cNvPicPr>
+              <a:picLocks noChangeAspect="1"/>
+            </p:cNvPicPr>
+            <p:nvPr/>
+          </p:nvPicPr>
+          <p:blipFill>
+            <a:blip r:embed="rId2">
+              <a:extLst>
+                <a:ext uri="{28A0092B-C50C-407E-A947-70E740481C1C}">
+                  <a14:useLocalDpi xmlns:a14="http://schemas.microsoft.com/office/drawing/2010/main" val="0"/>
+                </a:ext>
+              </a:extLst>
+            </a:blip>
+            <a:stretch>
+              <a:fillRect/>
+            </a:stretch>
+          </p:blipFill>
+          <p:spPr>
+            <a:xfrm>
+              <a:off x="728437" y="808411"/>
+              <a:ext cx="3731567" cy="2487711"/>
+            </a:xfrm>
+            <a:prstGeom prst="rect">
+              <a:avLst/>
+            </a:prstGeom>
+          </p:spPr>
+        </p:pic>
+        <p:sp>
+          <p:nvSpPr>
+            <p:cNvPr id="2" name="Rectangle 1">
+              <a:extLst>
+                <a:ext uri="{FF2B5EF4-FFF2-40B4-BE49-F238E27FC236}">
+                  <a16:creationId xmlns:a16="http://schemas.microsoft.com/office/drawing/2014/main" id="{42F7B007-B46F-4033-BFB3-167D1AB83BC1}"/>
+                </a:ext>
+              </a:extLst>
+            </p:cNvPr>
+            <p:cNvSpPr/>
+            <p:nvPr/>
+          </p:nvSpPr>
+          <p:spPr>
+            <a:xfrm>
+              <a:off x="2296160" y="1605280"/>
+              <a:ext cx="264160" cy="229887"/>
+            </a:xfrm>
+            <a:prstGeom prst="rect">
+              <a:avLst/>
+            </a:prstGeom>
+            <a:noFill/>
+            <a:ln w="38100"/>
+          </p:spPr>
+          <p:style>
+            <a:lnRef idx="2">
+              <a:schemeClr val="accent1">
+                <a:shade val="50000"/>
+              </a:schemeClr>
+            </a:lnRef>
+            <a:fillRef idx="1">
+              <a:schemeClr val="accent1"/>
+            </a:fillRef>
+            <a:effectRef idx="0">
+              <a:schemeClr val="accent1"/>
+            </a:effectRef>
+            <a:fontRef idx="minor">
+              <a:schemeClr val="lt1"/>
+            </a:fontRef>
+          </p:style>
+          <p:txBody>
+            <a:bodyPr rtlCol="0" anchor="ctr"/>
+            <a:lstStyle/>
+            <a:p>
+              <a:pPr algn="ctr"/>
+              <a:endParaRPr lang="en-US"/>
+            </a:p>
+          </p:txBody>
+        </p:sp>
+      </p:grpSp>
+      <p:grpSp>
+        <p:nvGrpSpPr>
+          <p:cNvPr id="6" name="Group 5">
+            <a:extLst>
+              <a:ext uri="{FF2B5EF4-FFF2-40B4-BE49-F238E27FC236}">
+                <a16:creationId xmlns:a16="http://schemas.microsoft.com/office/drawing/2014/main" id="{1D6E6F86-A7B0-417A-BDAA-82E7DCC73D50}"/>
+              </a:ext>
+            </a:extLst>
+          </p:cNvPr>
+          <p:cNvGrpSpPr/>
+          <p:nvPr/>
+        </p:nvGrpSpPr>
+        <p:grpSpPr>
+          <a:xfrm>
+            <a:off x="4230215" y="757948"/>
+            <a:ext cx="3731567" cy="2459604"/>
+            <a:chOff x="4331415" y="827282"/>
+            <a:chExt cx="3731567" cy="2459604"/>
+          </a:xfrm>
+        </p:grpSpPr>
+        <p:pic>
+          <p:nvPicPr>
+            <p:cNvPr id="5" name="Picture 4">
+              <a:extLst>
+                <a:ext uri="{FF2B5EF4-FFF2-40B4-BE49-F238E27FC236}">
+                  <a16:creationId xmlns:a16="http://schemas.microsoft.com/office/drawing/2014/main" id="{6B43BB14-CDCB-4A98-A3D7-FBA8E3BA42A3}"/>
+                </a:ext>
+              </a:extLst>
+            </p:cNvPr>
+            <p:cNvPicPr>
+              <a:picLocks noChangeAspect="1"/>
+            </p:cNvPicPr>
+            <p:nvPr/>
+          </p:nvPicPr>
+          <p:blipFill>
+            <a:blip r:embed="rId3">
+              <a:extLst>
+                <a:ext uri="{28A0092B-C50C-407E-A947-70E740481C1C}">
+                  <a14:useLocalDpi xmlns:a14="http://schemas.microsoft.com/office/drawing/2010/main" val="0"/>
+                </a:ext>
+              </a:extLst>
+            </a:blip>
+            <a:stretch>
+              <a:fillRect/>
+            </a:stretch>
+          </p:blipFill>
+          <p:spPr>
+            <a:xfrm>
+              <a:off x="4331415" y="827282"/>
+              <a:ext cx="3731567" cy="2459604"/>
+            </a:xfrm>
+            <a:prstGeom prst="rect">
+              <a:avLst/>
+            </a:prstGeom>
+          </p:spPr>
+        </p:pic>
+        <p:sp>
+          <p:nvSpPr>
+            <p:cNvPr id="14" name="Rectangle 13">
+              <a:extLst>
+                <a:ext uri="{FF2B5EF4-FFF2-40B4-BE49-F238E27FC236}">
+                  <a16:creationId xmlns:a16="http://schemas.microsoft.com/office/drawing/2014/main" id="{81B4CC76-B9A0-4598-B80C-ACDB453D5FEB}"/>
+                </a:ext>
+              </a:extLst>
+            </p:cNvPr>
+            <p:cNvSpPr/>
+            <p:nvPr/>
+          </p:nvSpPr>
+          <p:spPr>
+            <a:xfrm>
+              <a:off x="6093422" y="1375393"/>
+              <a:ext cx="264160" cy="229887"/>
+            </a:xfrm>
+            <a:prstGeom prst="rect">
+              <a:avLst/>
+            </a:prstGeom>
+            <a:noFill/>
+            <a:ln w="38100"/>
+          </p:spPr>
+          <p:style>
+            <a:lnRef idx="2">
+              <a:schemeClr val="accent1">
+                <a:shade val="50000"/>
+              </a:schemeClr>
+            </a:lnRef>
+            <a:fillRef idx="1">
+              <a:schemeClr val="accent1"/>
+            </a:fillRef>
+            <a:effectRef idx="0">
+              <a:schemeClr val="accent1"/>
+            </a:effectRef>
+            <a:fontRef idx="minor">
+              <a:schemeClr val="lt1"/>
+            </a:fontRef>
+          </p:style>
+          <p:txBody>
+            <a:bodyPr rtlCol="0" anchor="ctr"/>
+            <a:lstStyle/>
+            <a:p>
+              <a:pPr algn="ctr"/>
+              <a:endParaRPr lang="en-US"/>
+            </a:p>
+          </p:txBody>
+        </p:sp>
+      </p:grpSp>
+      <p:grpSp>
+        <p:nvGrpSpPr>
+          <p:cNvPr id="8" name="Group 7">
+            <a:extLst>
+              <a:ext uri="{FF2B5EF4-FFF2-40B4-BE49-F238E27FC236}">
+                <a16:creationId xmlns:a16="http://schemas.microsoft.com/office/drawing/2014/main" id="{EE5F1A4D-11BA-4431-8220-01741989BA58}"/>
+              </a:ext>
+            </a:extLst>
+          </p:cNvPr>
+          <p:cNvGrpSpPr/>
+          <p:nvPr/>
+        </p:nvGrpSpPr>
+        <p:grpSpPr>
+          <a:xfrm>
+            <a:off x="8185165" y="802322"/>
+            <a:ext cx="3591549" cy="2487711"/>
+            <a:chOff x="8002430" y="808411"/>
+            <a:chExt cx="3591549" cy="2487711"/>
+          </a:xfrm>
+        </p:grpSpPr>
+        <p:pic>
+          <p:nvPicPr>
+            <p:cNvPr id="7" name="Picture 6">
+              <a:extLst>
+                <a:ext uri="{FF2B5EF4-FFF2-40B4-BE49-F238E27FC236}">
+                  <a16:creationId xmlns:a16="http://schemas.microsoft.com/office/drawing/2014/main" id="{92A0B9B8-9566-4E3D-9D7B-DDED255C00CC}"/>
+                </a:ext>
+              </a:extLst>
+            </p:cNvPr>
+            <p:cNvPicPr>
+              <a:picLocks noChangeAspect="1"/>
+            </p:cNvPicPr>
+            <p:nvPr/>
+          </p:nvPicPr>
+          <p:blipFill>
+            <a:blip r:embed="rId4">
+              <a:extLst>
+                <a:ext uri="{28A0092B-C50C-407E-A947-70E740481C1C}">
+                  <a14:useLocalDpi xmlns:a14="http://schemas.microsoft.com/office/drawing/2010/main" val="0"/>
+                </a:ext>
+              </a:extLst>
+            </a:blip>
+            <a:stretch>
+              <a:fillRect/>
+            </a:stretch>
+          </p:blipFill>
+          <p:spPr>
+            <a:xfrm>
+              <a:off x="8002430" y="808411"/>
+              <a:ext cx="3591549" cy="2487711"/>
+            </a:xfrm>
+            <a:prstGeom prst="rect">
+              <a:avLst/>
+            </a:prstGeom>
+          </p:spPr>
+        </p:pic>
+        <p:sp>
+          <p:nvSpPr>
+            <p:cNvPr id="15" name="Rectangle 14">
+              <a:extLst>
+                <a:ext uri="{FF2B5EF4-FFF2-40B4-BE49-F238E27FC236}">
+                  <a16:creationId xmlns:a16="http://schemas.microsoft.com/office/drawing/2014/main" id="{3FD7027E-E8B7-4E6E-86EB-0EE0AB804D02}"/>
+                </a:ext>
+              </a:extLst>
+            </p:cNvPr>
+            <p:cNvSpPr/>
+            <p:nvPr/>
+          </p:nvSpPr>
+          <p:spPr>
+            <a:xfrm>
+              <a:off x="9895840" y="1638868"/>
+              <a:ext cx="264160" cy="229887"/>
+            </a:xfrm>
+            <a:prstGeom prst="rect">
+              <a:avLst/>
+            </a:prstGeom>
+            <a:noFill/>
+            <a:ln w="38100"/>
+          </p:spPr>
+          <p:style>
+            <a:lnRef idx="2">
+              <a:schemeClr val="accent1">
+                <a:shade val="50000"/>
+              </a:schemeClr>
+            </a:lnRef>
+            <a:fillRef idx="1">
+              <a:schemeClr val="accent1"/>
+            </a:fillRef>
+            <a:effectRef idx="0">
+              <a:schemeClr val="accent1"/>
+            </a:effectRef>
+            <a:fontRef idx="minor">
+              <a:schemeClr val="lt1"/>
+            </a:fontRef>
+          </p:style>
+          <p:txBody>
+            <a:bodyPr rtlCol="0" anchor="ctr"/>
+            <a:lstStyle/>
+            <a:p>
+              <a:pPr algn="ctr"/>
+              <a:endParaRPr lang="en-US"/>
+            </a:p>
+          </p:txBody>
+        </p:sp>
+      </p:grpSp>
+      <p:grpSp>
+        <p:nvGrpSpPr>
+          <p:cNvPr id="17" name="Group 16">
+            <a:extLst>
+              <a:ext uri="{FF2B5EF4-FFF2-40B4-BE49-F238E27FC236}">
+                <a16:creationId xmlns:a16="http://schemas.microsoft.com/office/drawing/2014/main" id="{FBB2CDDB-89C0-4701-AF70-DEC59F82DE5F}"/>
+              </a:ext>
+            </a:extLst>
+          </p:cNvPr>
+          <p:cNvGrpSpPr/>
+          <p:nvPr/>
+        </p:nvGrpSpPr>
+        <p:grpSpPr>
+          <a:xfrm>
+            <a:off x="4214222" y="3543351"/>
+            <a:ext cx="3657600" cy="2438399"/>
+            <a:chOff x="7922091" y="3381850"/>
+            <a:chExt cx="3657600" cy="2438399"/>
+          </a:xfrm>
+        </p:grpSpPr>
+        <p:pic>
+          <p:nvPicPr>
+            <p:cNvPr id="13" name="Picture 12">
+              <a:extLst>
+                <a:ext uri="{FF2B5EF4-FFF2-40B4-BE49-F238E27FC236}">
+                  <a16:creationId xmlns:a16="http://schemas.microsoft.com/office/drawing/2014/main" id="{08A4C19D-AB0D-4E8C-883D-DA847AC2F3AE}"/>
+                </a:ext>
+              </a:extLst>
+            </p:cNvPr>
+            <p:cNvPicPr>
+              <a:picLocks noChangeAspect="1"/>
+            </p:cNvPicPr>
+            <p:nvPr/>
+          </p:nvPicPr>
+          <p:blipFill>
+            <a:blip r:embed="rId5">
+              <a:extLst>
+                <a:ext uri="{28A0092B-C50C-407E-A947-70E740481C1C}">
+                  <a14:useLocalDpi xmlns:a14="http://schemas.microsoft.com/office/drawing/2010/main" val="0"/>
+                </a:ext>
+              </a:extLst>
+            </a:blip>
+            <a:stretch>
+              <a:fillRect/>
+            </a:stretch>
+          </p:blipFill>
+          <p:spPr>
+            <a:xfrm>
+              <a:off x="7922091" y="3381850"/>
+              <a:ext cx="3657600" cy="2438399"/>
+            </a:xfrm>
+            <a:prstGeom prst="rect">
+              <a:avLst/>
+            </a:prstGeom>
+          </p:spPr>
+        </p:pic>
+        <p:sp>
+          <p:nvSpPr>
+            <p:cNvPr id="16" name="Rectangle 15">
+              <a:extLst>
+                <a:ext uri="{FF2B5EF4-FFF2-40B4-BE49-F238E27FC236}">
+                  <a16:creationId xmlns:a16="http://schemas.microsoft.com/office/drawing/2014/main" id="{96EEF994-714D-4B86-8324-53D68A6DFB1E}"/>
+                </a:ext>
+              </a:extLst>
+            </p:cNvPr>
+            <p:cNvSpPr/>
+            <p:nvPr/>
+          </p:nvSpPr>
+          <p:spPr>
+            <a:xfrm>
+              <a:off x="9828684" y="3695455"/>
+              <a:ext cx="264160" cy="229887"/>
+            </a:xfrm>
+            <a:prstGeom prst="rect">
+              <a:avLst/>
+            </a:prstGeom>
+            <a:noFill/>
+            <a:ln w="38100"/>
+          </p:spPr>
+          <p:style>
+            <a:lnRef idx="2">
+              <a:schemeClr val="accent1">
+                <a:shade val="50000"/>
+              </a:schemeClr>
+            </a:lnRef>
+            <a:fillRef idx="1">
+              <a:schemeClr val="accent1"/>
+            </a:fillRef>
+            <a:effectRef idx="0">
+              <a:schemeClr val="accent1"/>
+            </a:effectRef>
+            <a:fontRef idx="minor">
+              <a:schemeClr val="lt1"/>
+            </a:fontRef>
+          </p:style>
+          <p:txBody>
+            <a:bodyPr rtlCol="0" anchor="ctr"/>
+            <a:lstStyle/>
+            <a:p>
+              <a:pPr algn="ctr"/>
+              <a:endParaRPr lang="en-US"/>
+            </a:p>
+          </p:txBody>
+        </p:sp>
+      </p:grpSp>
+      <p:sp>
+        <p:nvSpPr>
+          <p:cNvPr id="18" name="TextBox 17">
+            <a:extLst>
+              <a:ext uri="{FF2B5EF4-FFF2-40B4-BE49-F238E27FC236}">
+                <a16:creationId xmlns:a16="http://schemas.microsoft.com/office/drawing/2014/main" id="{3BC8DB45-140F-4BB6-998A-789EB1FD57C9}"/>
+              </a:ext>
+            </a:extLst>
+          </p:cNvPr>
+          <p:cNvSpPr txBox="1"/>
+          <p:nvPr/>
+        </p:nvSpPr>
+        <p:spPr>
+          <a:xfrm>
+            <a:off x="822960" y="3257643"/>
+            <a:ext cx="2503997" cy="338554"/>
+          </a:xfrm>
+          <a:prstGeom prst="rect">
+            <a:avLst/>
+          </a:prstGeom>
+          <a:noFill/>
+          <a:ln>
+            <a:noFill/>
+          </a:ln>
+        </p:spPr>
+        <p:txBody>
+          <a:bodyPr wrap="square" rtlCol="0">
+            <a:spAutoFit/>
+          </a:bodyPr>
+          <a:lstStyle/>
+          <a:p>
+            <a:pPr algn="ctr"/>
+            <a:r>
+              <a:rPr lang="en-US" sz="1600" dirty="0">
+                <a:latin typeface="Cambria" panose="02040503050406030204" pitchFamily="18" charset="0"/>
+              </a:rPr>
+              <a:t>Short Term - 2010 peak </a:t>
+            </a:r>
+          </a:p>
+        </p:txBody>
+      </p:sp>
+      <p:sp>
+        <p:nvSpPr>
+          <p:cNvPr id="19" name="TextBox 18">
+            <a:extLst>
+              <a:ext uri="{FF2B5EF4-FFF2-40B4-BE49-F238E27FC236}">
+                <a16:creationId xmlns:a16="http://schemas.microsoft.com/office/drawing/2014/main" id="{6EA8DE82-C4A9-4FBC-8EC0-1C5977AA1274}"/>
+              </a:ext>
+            </a:extLst>
+          </p:cNvPr>
+          <p:cNvSpPr txBox="1"/>
+          <p:nvPr/>
+        </p:nvSpPr>
+        <p:spPr>
+          <a:xfrm>
+            <a:off x="5016209" y="3240439"/>
+            <a:ext cx="2503997" cy="338554"/>
+          </a:xfrm>
+          <a:prstGeom prst="rect">
+            <a:avLst/>
+          </a:prstGeom>
+          <a:noFill/>
+          <a:ln>
+            <a:noFill/>
+          </a:ln>
+        </p:spPr>
+        <p:txBody>
+          <a:bodyPr wrap="square" rtlCol="0">
+            <a:spAutoFit/>
+          </a:bodyPr>
+          <a:lstStyle/>
+          <a:p>
+            <a:pPr algn="ctr"/>
+            <a:r>
+              <a:rPr lang="en-US" sz="1600" dirty="0">
+                <a:latin typeface="Cambria" panose="02040503050406030204" pitchFamily="18" charset="0"/>
+              </a:rPr>
+              <a:t>Longer Term - 2011 peak </a:t>
+            </a:r>
+          </a:p>
+        </p:txBody>
+      </p:sp>
+      <p:sp>
+        <p:nvSpPr>
+          <p:cNvPr id="20" name="TextBox 19">
+            <a:extLst>
+              <a:ext uri="{FF2B5EF4-FFF2-40B4-BE49-F238E27FC236}">
+                <a16:creationId xmlns:a16="http://schemas.microsoft.com/office/drawing/2014/main" id="{101EF16B-2E55-47D4-B0AB-F7998C275F1B}"/>
+              </a:ext>
+            </a:extLst>
+          </p:cNvPr>
+          <p:cNvSpPr txBox="1"/>
+          <p:nvPr/>
+        </p:nvSpPr>
+        <p:spPr>
+          <a:xfrm>
+            <a:off x="8639593" y="3250156"/>
+            <a:ext cx="2877963" cy="338554"/>
+          </a:xfrm>
+          <a:prstGeom prst="rect">
+            <a:avLst/>
+          </a:prstGeom>
+          <a:noFill/>
+          <a:ln>
+            <a:noFill/>
+          </a:ln>
+        </p:spPr>
+        <p:txBody>
+          <a:bodyPr wrap="square" rtlCol="0">
+            <a:spAutoFit/>
+          </a:bodyPr>
+          <a:lstStyle/>
+          <a:p>
+            <a:pPr algn="ctr"/>
+            <a:r>
+              <a:rPr lang="en-US" sz="1600" dirty="0">
+                <a:latin typeface="Cambria" panose="02040503050406030204" pitchFamily="18" charset="0"/>
+              </a:rPr>
+              <a:t>Associate’s Degree - 2012 peak </a:t>
+            </a:r>
+          </a:p>
+        </p:txBody>
+      </p:sp>
+    </p:spTree>
+    <p:extLst>
+      <p:ext uri="{BB962C8B-B14F-4D97-AF65-F5344CB8AC3E}">
+        <p14:creationId xmlns:p14="http://schemas.microsoft.com/office/powerpoint/2010/main" val="525809442"/>
+      </p:ext>
+    </p:extLst>
+  </p:cSld>
+  <p:clrMapOvr>
+    <a:masterClrMapping/>
+  </p:clrMapOvr>
+</p:sld>
+</file>
+
+<file path=ppt/slides/slide12.xml><?xml version="1.0" encoding="utf-8"?>
+<p:sld xmlns:a="http://schemas.openxmlformats.org/drawingml/2006/main" xmlns:r="http://schemas.openxmlformats.org/officeDocument/2006/relationships" xmlns:p="http://schemas.openxmlformats.org/presentationml/2006/main">
+  <p:cSld>
+    <p:spTree>
+      <p:nvGrpSpPr>
+        <p:cNvPr id="1" name=""/>
+        <p:cNvGrpSpPr/>
+        <p:nvPr/>
+      </p:nvGrpSpPr>
+      <p:grpSpPr>
+        <a:xfrm>
+          <a:off x="0" y="0"/>
+          <a:ext cx="0" cy="0"/>
+          <a:chOff x="0" y="0"/>
+          <a:chExt cx="0" cy="0"/>
+        </a:xfrm>
+      </p:grpSpPr>
       <p:pic>
         <p:nvPicPr>
           <p:cNvPr id="3" name="Picture 2">
@@ -6756,7 +7514,7 @@
 </p:sld>
 </file>
 
-<file path=ppt/slides/slide11.xml><?xml version="1.0" encoding="utf-8"?>
+<file path=ppt/slides/slide13.xml><?xml version="1.0" encoding="utf-8"?>
 <p:sld xmlns:a="http://schemas.openxmlformats.org/drawingml/2006/main" xmlns:r="http://schemas.openxmlformats.org/officeDocument/2006/relationships" xmlns:p="http://schemas.openxmlformats.org/presentationml/2006/main">
   <p:cSld>
     <p:spTree>
@@ -6875,7 +7633,7 @@
 </p:sld>
 </file>
 
-<file path=ppt/slides/slide12.xml><?xml version="1.0" encoding="utf-8"?>
+<file path=ppt/slides/slide14.xml><?xml version="1.0" encoding="utf-8"?>
 <p:sld xmlns:a="http://schemas.openxmlformats.org/drawingml/2006/main" xmlns:r="http://schemas.openxmlformats.org/officeDocument/2006/relationships" xmlns:p="http://schemas.openxmlformats.org/presentationml/2006/main">
   <p:cSld>
     <p:spTree>
@@ -7108,7 +7866,7 @@
 </p:sld>
 </file>
 
-<file path=ppt/slides/slide13.xml><?xml version="1.0" encoding="utf-8"?>
+<file path=ppt/slides/slide15.xml><?xml version="1.0" encoding="utf-8"?>
 <p:sld xmlns:a="http://schemas.openxmlformats.org/drawingml/2006/main" xmlns:r="http://schemas.openxmlformats.org/officeDocument/2006/relationships" xmlns:p="http://schemas.openxmlformats.org/presentationml/2006/main">
   <p:cSld>
     <p:spTree>
@@ -7311,7 +8069,7 @@
 </p:sld>
 </file>
 
-<file path=ppt/slides/slide14.xml><?xml version="1.0" encoding="utf-8"?>
+<file path=ppt/slides/slide16.xml><?xml version="1.0" encoding="utf-8"?>
 <p:sld xmlns:a="http://schemas.openxmlformats.org/drawingml/2006/main" xmlns:r="http://schemas.openxmlformats.org/officeDocument/2006/relationships" xmlns:p="http://schemas.openxmlformats.org/presentationml/2006/main">
   <p:cSld>
     <p:spTree>
@@ -8958,6 +9716,59 @@
           </a:p>
         </p:txBody>
       </p:sp>
+      <p:sp>
+        <p:nvSpPr>
+          <p:cNvPr id="7" name="Rectangle 6">
+            <a:extLst>
+              <a:ext uri="{FF2B5EF4-FFF2-40B4-BE49-F238E27FC236}">
+                <a16:creationId xmlns:a16="http://schemas.microsoft.com/office/drawing/2014/main" id="{B022882F-6BDF-46BF-9B8C-02CACFCD762A}"/>
+              </a:ext>
+            </a:extLst>
+          </p:cNvPr>
+          <p:cNvSpPr/>
+          <p:nvPr/>
+        </p:nvSpPr>
+        <p:spPr>
+          <a:xfrm>
+            <a:off x="6794490" y="3962400"/>
+            <a:ext cx="4229110" cy="660400"/>
+          </a:xfrm>
+          <a:prstGeom prst="rect">
+            <a:avLst/>
+          </a:prstGeom>
+          <a:solidFill>
+            <a:schemeClr val="accent5">
+              <a:lumMod val="60000"/>
+              <a:lumOff val="40000"/>
+              <a:alpha val="34000"/>
+            </a:schemeClr>
+          </a:solidFill>
+        </p:spPr>
+        <p:style>
+          <a:lnRef idx="2">
+            <a:schemeClr val="accent1">
+              <a:shade val="50000"/>
+            </a:schemeClr>
+          </a:lnRef>
+          <a:fillRef idx="1">
+            <a:schemeClr val="accent1"/>
+          </a:fillRef>
+          <a:effectRef idx="0">
+            <a:schemeClr val="accent1"/>
+          </a:effectRef>
+          <a:fontRef idx="minor">
+            <a:schemeClr val="lt1"/>
+          </a:fontRef>
+        </p:style>
+        <p:txBody>
+          <a:bodyPr rtlCol="0" anchor="ctr"/>
+          <a:lstStyle/>
+          <a:p>
+            <a:pPr algn="ctr"/>
+            <a:endParaRPr lang="en-US" dirty="0"/>
+          </a:p>
+        </p:txBody>
+      </p:sp>
     </p:spTree>
     <p:extLst>
       <p:ext uri="{BB962C8B-B14F-4D97-AF65-F5344CB8AC3E}">
@@ -9128,12 +9939,50 @@
           <a:chExt cx="0" cy="0"/>
         </a:xfrm>
       </p:grpSpPr>
+      <p:sp>
+        <p:nvSpPr>
+          <p:cNvPr id="11" name="TextBox 10">
+            <a:extLst>
+              <a:ext uri="{FF2B5EF4-FFF2-40B4-BE49-F238E27FC236}">
+                <a16:creationId xmlns:a16="http://schemas.microsoft.com/office/drawing/2014/main" id="{BA4D5888-1E1E-4C24-B911-50ECB52C5AE7}"/>
+              </a:ext>
+            </a:extLst>
+          </p:cNvPr>
+          <p:cNvSpPr txBox="1"/>
+          <p:nvPr/>
+        </p:nvSpPr>
+        <p:spPr>
+          <a:xfrm>
+            <a:off x="0" y="210704"/>
+            <a:ext cx="12191999" cy="381000"/>
+          </a:xfrm>
+          <a:prstGeom prst="rect">
+            <a:avLst/>
+          </a:prstGeom>
+          <a:noFill/>
+        </p:spPr>
+        <p:txBody>
+          <a:bodyPr wrap="square" rtlCol="0">
+            <a:spAutoFit/>
+          </a:bodyPr>
+          <a:lstStyle/>
+          <a:p>
+            <a:pPr algn="ctr"/>
+            <a:r>
+              <a:rPr lang="en-US" b="1" dirty="0">
+                <a:latin typeface="Cambria" panose="02040503050406030204" pitchFamily="18" charset="0"/>
+              </a:rPr>
+              <a:t>Trend in Degrees Awarded</a:t>
+            </a:r>
+          </a:p>
+        </p:txBody>
+      </p:sp>
       <p:pic>
         <p:nvPicPr>
-          <p:cNvPr id="3" name="Content Placeholder 4">
+          <p:cNvPr id="10" name="Picture 9">
             <a:extLst>
               <a:ext uri="{FF2B5EF4-FFF2-40B4-BE49-F238E27FC236}">
-                <a16:creationId xmlns:a16="http://schemas.microsoft.com/office/drawing/2014/main" id="{841C6A91-3988-41E8-A5B9-531D46631746}"/>
+                <a16:creationId xmlns:a16="http://schemas.microsoft.com/office/drawing/2014/main" id="{DA437459-8BD1-4167-B054-02B78EB0667F}"/>
               </a:ext>
             </a:extLst>
           </p:cNvPr>
@@ -9156,267 +10005,8 @@
         </p:blipFill>
         <p:spPr>
           <a:xfrm>
-            <a:off x="728437" y="808411"/>
-            <a:ext cx="3731567" cy="2487711"/>
-          </a:xfrm>
-          <a:prstGeom prst="rect">
-            <a:avLst/>
-          </a:prstGeom>
-        </p:spPr>
-      </p:pic>
-      <p:pic>
-        <p:nvPicPr>
-          <p:cNvPr id="5" name="Picture 4">
-            <a:extLst>
-              <a:ext uri="{FF2B5EF4-FFF2-40B4-BE49-F238E27FC236}">
-                <a16:creationId xmlns:a16="http://schemas.microsoft.com/office/drawing/2014/main" id="{6B43BB14-CDCB-4A98-A3D7-FBA8E3BA42A3}"/>
-              </a:ext>
-            </a:extLst>
-          </p:cNvPr>
-          <p:cNvPicPr>
-            <a:picLocks noChangeAspect="1"/>
-          </p:cNvPicPr>
-          <p:nvPr/>
-        </p:nvPicPr>
-        <p:blipFill>
-          <a:blip r:embed="rId3">
-            <a:extLst>
-              <a:ext uri="{28A0092B-C50C-407E-A947-70E740481C1C}">
-                <a14:useLocalDpi xmlns:a14="http://schemas.microsoft.com/office/drawing/2010/main" val="0"/>
-              </a:ext>
-            </a:extLst>
-          </a:blip>
-          <a:stretch>
-            <a:fillRect/>
-          </a:stretch>
-        </p:blipFill>
-        <p:spPr>
-          <a:xfrm>
-            <a:off x="4331415" y="939216"/>
-            <a:ext cx="3731567" cy="2347669"/>
-          </a:xfrm>
-          <a:prstGeom prst="rect">
-            <a:avLst/>
-          </a:prstGeom>
-        </p:spPr>
-      </p:pic>
-      <p:pic>
-        <p:nvPicPr>
-          <p:cNvPr id="7" name="Picture 6">
-            <a:extLst>
-              <a:ext uri="{FF2B5EF4-FFF2-40B4-BE49-F238E27FC236}">
-                <a16:creationId xmlns:a16="http://schemas.microsoft.com/office/drawing/2014/main" id="{92A0B9B8-9566-4E3D-9D7B-DDED255C00CC}"/>
-              </a:ext>
-            </a:extLst>
-          </p:cNvPr>
-          <p:cNvPicPr>
-            <a:picLocks noChangeAspect="1"/>
-          </p:cNvPicPr>
-          <p:nvPr/>
-        </p:nvPicPr>
-        <p:blipFill>
-          <a:blip r:embed="rId4">
-            <a:extLst>
-              <a:ext uri="{28A0092B-C50C-407E-A947-70E740481C1C}">
-                <a14:useLocalDpi xmlns:a14="http://schemas.microsoft.com/office/drawing/2010/main" val="0"/>
-              </a:ext>
-            </a:extLst>
-          </a:blip>
-          <a:stretch>
-            <a:fillRect/>
-          </a:stretch>
-        </p:blipFill>
-        <p:spPr>
-          <a:xfrm>
-            <a:off x="8002430" y="901756"/>
-            <a:ext cx="3591549" cy="2394366"/>
-          </a:xfrm>
-          <a:prstGeom prst="rect">
-            <a:avLst/>
-          </a:prstGeom>
-        </p:spPr>
-      </p:pic>
-      <p:sp>
-        <p:nvSpPr>
-          <p:cNvPr id="11" name="TextBox 10">
-            <a:extLst>
-              <a:ext uri="{FF2B5EF4-FFF2-40B4-BE49-F238E27FC236}">
-                <a16:creationId xmlns:a16="http://schemas.microsoft.com/office/drawing/2014/main" id="{BA4D5888-1E1E-4C24-B911-50ECB52C5AE7}"/>
-              </a:ext>
-            </a:extLst>
-          </p:cNvPr>
-          <p:cNvSpPr txBox="1"/>
-          <p:nvPr/>
-        </p:nvSpPr>
-        <p:spPr>
-          <a:xfrm>
-            <a:off x="0" y="210704"/>
-            <a:ext cx="12191999" cy="381000"/>
-          </a:xfrm>
-          <a:prstGeom prst="rect">
-            <a:avLst/>
-          </a:prstGeom>
-          <a:noFill/>
-        </p:spPr>
-        <p:txBody>
-          <a:bodyPr wrap="square" rtlCol="0">
-            <a:spAutoFit/>
-          </a:bodyPr>
-          <a:lstStyle/>
-          <a:p>
-            <a:pPr algn="ctr"/>
-            <a:r>
-              <a:rPr lang="en-US" b="1" dirty="0">
-                <a:latin typeface="Cambria" panose="02040503050406030204" pitchFamily="18" charset="0"/>
-              </a:rPr>
-              <a:t>Trend in Degrees Awarded</a:t>
-            </a:r>
-          </a:p>
-        </p:txBody>
-      </p:sp>
-      <p:sp>
-        <p:nvSpPr>
-          <p:cNvPr id="12" name="TextBox 11">
-            <a:extLst>
-              <a:ext uri="{FF2B5EF4-FFF2-40B4-BE49-F238E27FC236}">
-                <a16:creationId xmlns:a16="http://schemas.microsoft.com/office/drawing/2014/main" id="{B2E1C9D1-3FC3-4F1B-BC89-1CC7AD233D66}"/>
-              </a:ext>
-            </a:extLst>
-          </p:cNvPr>
-          <p:cNvSpPr txBox="1"/>
-          <p:nvPr/>
-        </p:nvSpPr>
-        <p:spPr>
-          <a:xfrm>
-            <a:off x="225271" y="5850225"/>
-            <a:ext cx="11741458" cy="342713"/>
-          </a:xfrm>
-          <a:prstGeom prst="rect">
-            <a:avLst/>
-          </a:prstGeom>
-          <a:noFill/>
-          <a:ln>
-            <a:noFill/>
-          </a:ln>
-        </p:spPr>
-        <p:txBody>
-          <a:bodyPr wrap="square" rtlCol="0">
-            <a:spAutoFit/>
-          </a:bodyPr>
-          <a:lstStyle/>
-          <a:p>
-            <a:pPr algn="ctr"/>
-            <a:r>
-              <a:rPr lang="en-US" sz="1600" dirty="0">
-                <a:latin typeface="Cambria" panose="02040503050406030204" pitchFamily="18" charset="0"/>
-              </a:rPr>
-              <a:t>Increase in short term degrees appear to correlate with increase in unemployment rate</a:t>
-            </a:r>
-          </a:p>
-        </p:txBody>
-      </p:sp>
-      <p:pic>
-        <p:nvPicPr>
-          <p:cNvPr id="9" name="Picture 8">
-            <a:extLst>
-              <a:ext uri="{FF2B5EF4-FFF2-40B4-BE49-F238E27FC236}">
-                <a16:creationId xmlns:a16="http://schemas.microsoft.com/office/drawing/2014/main" id="{0257016F-9C4E-4799-9C8F-CA609F854B4A}"/>
-              </a:ext>
-            </a:extLst>
-          </p:cNvPr>
-          <p:cNvPicPr>
-            <a:picLocks noChangeAspect="1"/>
-          </p:cNvPicPr>
-          <p:nvPr/>
-        </p:nvPicPr>
-        <p:blipFill>
-          <a:blip r:embed="rId5">
-            <a:extLst>
-              <a:ext uri="{28A0092B-C50C-407E-A947-70E740481C1C}">
-                <a14:useLocalDpi xmlns:a14="http://schemas.microsoft.com/office/drawing/2010/main" val="0"/>
-              </a:ext>
-            </a:extLst>
-          </a:blip>
-          <a:stretch>
-            <a:fillRect/>
-          </a:stretch>
-        </p:blipFill>
-        <p:spPr>
-          <a:xfrm>
-            <a:off x="4330542" y="3531699"/>
-            <a:ext cx="3657600" cy="2290421"/>
-          </a:xfrm>
-          <a:prstGeom prst="rect">
-            <a:avLst/>
-          </a:prstGeom>
-        </p:spPr>
-      </p:pic>
-      <p:pic>
-        <p:nvPicPr>
-          <p:cNvPr id="10" name="Picture 9">
-            <a:extLst>
-              <a:ext uri="{FF2B5EF4-FFF2-40B4-BE49-F238E27FC236}">
-                <a16:creationId xmlns:a16="http://schemas.microsoft.com/office/drawing/2014/main" id="{DA437459-8BD1-4167-B054-02B78EB0667F}"/>
-              </a:ext>
-            </a:extLst>
-          </p:cNvPr>
-          <p:cNvPicPr>
-            <a:picLocks noChangeAspect="1"/>
-          </p:cNvPicPr>
-          <p:nvPr/>
-        </p:nvPicPr>
-        <p:blipFill>
-          <a:blip r:embed="rId6">
-            <a:extLst>
-              <a:ext uri="{28A0092B-C50C-407E-A947-70E740481C1C}">
-                <a14:useLocalDpi xmlns:a14="http://schemas.microsoft.com/office/drawing/2010/main" val="0"/>
-              </a:ext>
-            </a:extLst>
-          </a:blip>
-          <a:stretch>
-            <a:fillRect/>
-          </a:stretch>
-        </p:blipFill>
-        <p:spPr>
-          <a:xfrm>
-            <a:off x="768194" y="3615026"/>
-            <a:ext cx="3352798" cy="2235199"/>
-          </a:xfrm>
-          <a:prstGeom prst="rect">
-            <a:avLst/>
-          </a:prstGeom>
-        </p:spPr>
-      </p:pic>
-      <p:pic>
-        <p:nvPicPr>
-          <p:cNvPr id="13" name="Picture 12">
-            <a:extLst>
-              <a:ext uri="{FF2B5EF4-FFF2-40B4-BE49-F238E27FC236}">
-                <a16:creationId xmlns:a16="http://schemas.microsoft.com/office/drawing/2014/main" id="{08A4C19D-AB0D-4E8C-883D-DA847AC2F3AE}"/>
-              </a:ext>
-            </a:extLst>
-          </p:cNvPr>
-          <p:cNvPicPr>
-            <a:picLocks noChangeAspect="1"/>
-          </p:cNvPicPr>
-          <p:nvPr/>
-        </p:nvPicPr>
-        <p:blipFill>
-          <a:blip r:embed="rId7">
-            <a:extLst>
-              <a:ext uri="{28A0092B-C50C-407E-A947-70E740481C1C}">
-                <a14:useLocalDpi xmlns:a14="http://schemas.microsoft.com/office/drawing/2010/main" val="0"/>
-              </a:ext>
-            </a:extLst>
-          </a:blip>
-          <a:stretch>
-            <a:fillRect/>
-          </a:stretch>
-        </p:blipFill>
-        <p:spPr>
-          <a:xfrm>
-            <a:off x="7922091" y="3381850"/>
-            <a:ext cx="3657600" cy="2438399"/>
+            <a:off x="2926634" y="965199"/>
+            <a:ext cx="6948886" cy="4632591"/>
           </a:xfrm>
           <a:prstGeom prst="rect">
             <a:avLst/>
